--- a/schedule/notes/20-Hash Functions.pptx
+++ b/schedule/notes/20-Hash Functions.pptx
@@ -290,7 +290,7 @@
             <a:fld id="{E84971C4-D6ED-436C-8B49-F7A3B8634A12}" type="datetimeFigureOut">
               <a:rPr lang="en-US" smtClean="0"/>
               <a:pPr/>
-              <a:t>4/7/2021</a:t>
+              <a:t>4/8/2021</a:t>
             </a:fld>
             <a:endParaRPr lang="en-US"/>
           </a:p>
@@ -7955,6 +7955,284 @@
   <p:clrMapOvr>
     <a:masterClrMapping/>
   </p:clrMapOvr>
+  <p:timing>
+    <p:tnLst>
+      <p:par>
+        <p:cTn id="1" dur="indefinite" restart="never" nodeType="tmRoot">
+          <p:childTnLst>
+            <p:seq concurrent="1" nextAc="seek">
+              <p:cTn id="2" dur="indefinite" nodeType="mainSeq">
+                <p:childTnLst>
+                  <p:par>
+                    <p:cTn id="3" fill="hold">
+                      <p:stCondLst>
+                        <p:cond delay="indefinite"/>
+                      </p:stCondLst>
+                      <p:childTnLst>
+                        <p:par>
+                          <p:cTn id="4" fill="hold">
+                            <p:stCondLst>
+                              <p:cond delay="0"/>
+                            </p:stCondLst>
+                            <p:childTnLst>
+                              <p:par>
+                                <p:cTn id="5" presetID="1" presetClass="entr" presetSubtype="0" fill="hold" grpId="0" nodeType="clickEffect">
+                                  <p:stCondLst>
+                                    <p:cond delay="0"/>
+                                  </p:stCondLst>
+                                  <p:childTnLst>
+                                    <p:set>
+                                      <p:cBhvr>
+                                        <p:cTn id="6" dur="1" fill="hold">
+                                          <p:stCondLst>
+                                            <p:cond delay="0"/>
+                                          </p:stCondLst>
+                                        </p:cTn>
+                                        <p:tgtEl>
+                                          <p:spTgt spid="3">
+                                            <p:txEl>
+                                              <p:pRg st="0" end="0"/>
+                                            </p:txEl>
+                                          </p:spTgt>
+                                        </p:tgtEl>
+                                        <p:attrNameLst>
+                                          <p:attrName>style.visibility</p:attrName>
+                                        </p:attrNameLst>
+                                      </p:cBhvr>
+                                      <p:to>
+                                        <p:strVal val="visible"/>
+                                      </p:to>
+                                    </p:set>
+                                  </p:childTnLst>
+                                </p:cTn>
+                              </p:par>
+                            </p:childTnLst>
+                          </p:cTn>
+                        </p:par>
+                      </p:childTnLst>
+                    </p:cTn>
+                  </p:par>
+                  <p:par>
+                    <p:cTn id="7" fill="hold">
+                      <p:stCondLst>
+                        <p:cond delay="indefinite"/>
+                      </p:stCondLst>
+                      <p:childTnLst>
+                        <p:par>
+                          <p:cTn id="8" fill="hold">
+                            <p:stCondLst>
+                              <p:cond delay="0"/>
+                            </p:stCondLst>
+                            <p:childTnLst>
+                              <p:par>
+                                <p:cTn id="9" presetID="1" presetClass="entr" presetSubtype="0" fill="hold" grpId="0" nodeType="clickEffect">
+                                  <p:stCondLst>
+                                    <p:cond delay="0"/>
+                                  </p:stCondLst>
+                                  <p:childTnLst>
+                                    <p:set>
+                                      <p:cBhvr>
+                                        <p:cTn id="10" dur="1" fill="hold">
+                                          <p:stCondLst>
+                                            <p:cond delay="0"/>
+                                          </p:stCondLst>
+                                        </p:cTn>
+                                        <p:tgtEl>
+                                          <p:spTgt spid="3">
+                                            <p:txEl>
+                                              <p:pRg st="1" end="1"/>
+                                            </p:txEl>
+                                          </p:spTgt>
+                                        </p:tgtEl>
+                                        <p:attrNameLst>
+                                          <p:attrName>style.visibility</p:attrName>
+                                        </p:attrNameLst>
+                                      </p:cBhvr>
+                                      <p:to>
+                                        <p:strVal val="visible"/>
+                                      </p:to>
+                                    </p:set>
+                                  </p:childTnLst>
+                                </p:cTn>
+                              </p:par>
+                            </p:childTnLst>
+                          </p:cTn>
+                        </p:par>
+                      </p:childTnLst>
+                    </p:cTn>
+                  </p:par>
+                  <p:par>
+                    <p:cTn id="11" fill="hold">
+                      <p:stCondLst>
+                        <p:cond delay="indefinite"/>
+                      </p:stCondLst>
+                      <p:childTnLst>
+                        <p:par>
+                          <p:cTn id="12" fill="hold">
+                            <p:stCondLst>
+                              <p:cond delay="0"/>
+                            </p:stCondLst>
+                            <p:childTnLst>
+                              <p:par>
+                                <p:cTn id="13" presetID="1" presetClass="entr" presetSubtype="0" fill="hold" grpId="0" nodeType="clickEffect">
+                                  <p:stCondLst>
+                                    <p:cond delay="0"/>
+                                  </p:stCondLst>
+                                  <p:childTnLst>
+                                    <p:set>
+                                      <p:cBhvr>
+                                        <p:cTn id="14" dur="1" fill="hold">
+                                          <p:stCondLst>
+                                            <p:cond delay="0"/>
+                                          </p:stCondLst>
+                                        </p:cTn>
+                                        <p:tgtEl>
+                                          <p:spTgt spid="3">
+                                            <p:txEl>
+                                              <p:pRg st="2" end="2"/>
+                                            </p:txEl>
+                                          </p:spTgt>
+                                        </p:tgtEl>
+                                        <p:attrNameLst>
+                                          <p:attrName>style.visibility</p:attrName>
+                                        </p:attrNameLst>
+                                      </p:cBhvr>
+                                      <p:to>
+                                        <p:strVal val="visible"/>
+                                      </p:to>
+                                    </p:set>
+                                  </p:childTnLst>
+                                </p:cTn>
+                              </p:par>
+                            </p:childTnLst>
+                          </p:cTn>
+                        </p:par>
+                      </p:childTnLst>
+                    </p:cTn>
+                  </p:par>
+                  <p:par>
+                    <p:cTn id="15" fill="hold">
+                      <p:stCondLst>
+                        <p:cond delay="indefinite"/>
+                      </p:stCondLst>
+                      <p:childTnLst>
+                        <p:par>
+                          <p:cTn id="16" fill="hold">
+                            <p:stCondLst>
+                              <p:cond delay="0"/>
+                            </p:stCondLst>
+                            <p:childTnLst>
+                              <p:par>
+                                <p:cTn id="17" presetID="1" presetClass="entr" presetSubtype="0" fill="hold" grpId="0" nodeType="clickEffect">
+                                  <p:stCondLst>
+                                    <p:cond delay="0"/>
+                                  </p:stCondLst>
+                                  <p:childTnLst>
+                                    <p:set>
+                                      <p:cBhvr>
+                                        <p:cTn id="18" dur="1" fill="hold">
+                                          <p:stCondLst>
+                                            <p:cond delay="0"/>
+                                          </p:stCondLst>
+                                        </p:cTn>
+                                        <p:tgtEl>
+                                          <p:spTgt spid="3">
+                                            <p:txEl>
+                                              <p:pRg st="3" end="3"/>
+                                            </p:txEl>
+                                          </p:spTgt>
+                                        </p:tgtEl>
+                                        <p:attrNameLst>
+                                          <p:attrName>style.visibility</p:attrName>
+                                        </p:attrNameLst>
+                                      </p:cBhvr>
+                                      <p:to>
+                                        <p:strVal val="visible"/>
+                                      </p:to>
+                                    </p:set>
+                                  </p:childTnLst>
+                                </p:cTn>
+                              </p:par>
+                            </p:childTnLst>
+                          </p:cTn>
+                        </p:par>
+                      </p:childTnLst>
+                    </p:cTn>
+                  </p:par>
+                  <p:par>
+                    <p:cTn id="19" fill="hold">
+                      <p:stCondLst>
+                        <p:cond delay="indefinite"/>
+                      </p:stCondLst>
+                      <p:childTnLst>
+                        <p:par>
+                          <p:cTn id="20" fill="hold">
+                            <p:stCondLst>
+                              <p:cond delay="0"/>
+                            </p:stCondLst>
+                            <p:childTnLst>
+                              <p:par>
+                                <p:cTn id="21" presetID="1" presetClass="entr" presetSubtype="0" fill="hold" grpId="0" nodeType="clickEffect">
+                                  <p:stCondLst>
+                                    <p:cond delay="0"/>
+                                  </p:stCondLst>
+                                  <p:childTnLst>
+                                    <p:set>
+                                      <p:cBhvr>
+                                        <p:cTn id="22" dur="1" fill="hold">
+                                          <p:stCondLst>
+                                            <p:cond delay="0"/>
+                                          </p:stCondLst>
+                                        </p:cTn>
+                                        <p:tgtEl>
+                                          <p:spTgt spid="3">
+                                            <p:txEl>
+                                              <p:pRg st="4" end="4"/>
+                                            </p:txEl>
+                                          </p:spTgt>
+                                        </p:tgtEl>
+                                        <p:attrNameLst>
+                                          <p:attrName>style.visibility</p:attrName>
+                                        </p:attrNameLst>
+                                      </p:cBhvr>
+                                      <p:to>
+                                        <p:strVal val="visible"/>
+                                      </p:to>
+                                    </p:set>
+                                  </p:childTnLst>
+                                </p:cTn>
+                              </p:par>
+                            </p:childTnLst>
+                          </p:cTn>
+                        </p:par>
+                      </p:childTnLst>
+                    </p:cTn>
+                  </p:par>
+                </p:childTnLst>
+              </p:cTn>
+              <p:prevCondLst>
+                <p:cond evt="onPrev" delay="0">
+                  <p:tgtEl>
+                    <p:sldTgt/>
+                  </p:tgtEl>
+                </p:cond>
+              </p:prevCondLst>
+              <p:nextCondLst>
+                <p:cond evt="onNext" delay="0">
+                  <p:tgtEl>
+                    <p:sldTgt/>
+                  </p:tgtEl>
+                </p:cond>
+              </p:nextCondLst>
+            </p:seq>
+          </p:childTnLst>
+        </p:cTn>
+      </p:par>
+    </p:tnLst>
+    <p:bldLst>
+      <p:bldP spid="3" grpId="0" build="p"/>
+    </p:bldLst>
+  </p:timing>
 </p:sld>
 </file>
 
@@ -20902,11 +21180,11 @@
             <a:pPr lvl="1"/>
             <a:r>
               <a:rPr lang="en-US" sz="1800" dirty="0"/>
-              <a:t>|S| = 5</a:t>
+              <a:t>|S| = 26</a:t>
             </a:r>
             <a:r>
               <a:rPr lang="en-US" sz="1800" baseline="30000" dirty="0"/>
-              <a:t>26</a:t>
+              <a:t>5</a:t>
             </a:r>
             <a:r>
               <a:rPr lang="en-US" sz="1800" dirty="0"/>
@@ -48609,8 +48887,8 @@
           </a:p>
         </p:txBody>
       </p:sp>
-      <mc:AlternateContent xmlns:mc="http://schemas.openxmlformats.org/markup-compatibility/2006">
-        <mc:Choice xmlns:a14="http://schemas.microsoft.com/office/drawing/2010/main" Requires="a14">
+      <mc:AlternateContent xmlns:mc="http://schemas.openxmlformats.org/markup-compatibility/2006" xmlns:a14="http://schemas.microsoft.com/office/drawing/2010/main">
+        <mc:Choice Requires="a14">
           <p:sp>
             <p:nvSpPr>
               <p:cNvPr id="8" name="Content Placeholder 7">
@@ -49401,7 +49679,7 @@
             </p:txBody>
           </p:sp>
         </mc:Choice>
-        <mc:Fallback>
+        <mc:Fallback xmlns="">
           <p:sp>
             <p:nvSpPr>
               <p:cNvPr id="8" name="Content Placeholder 7">
